--- a/docs/blog/asset/arch/monitor/监控系统全局规划.pptx
+++ b/docs/blog/asset/arch/monitor/监控系统全局规划.pptx
@@ -2400,7 +2400,7 @@
               <a:t>：</a:t>
             </a:r>
             <a:r>
-              <a:rPr lang="zh-CN" sz="1465" dirty="0">
+              <a:rPr lang="en-US" altLang="zh-CN" sz="1465" dirty="0" smtClean="0">
                 <a:gradFill>
                   <a:gsLst>
                     <a:gs pos="0">
@@ -2417,9 +2417,9 @@
                 <a:cs typeface="+mn-ea"/>
                 <a:sym typeface="Arial" panose="020B0604020202020204"/>
               </a:rPr>
-              <a:t>牛鹏飞</a:t>
-            </a:r>
-            <a:endParaRPr lang="zh-CN" sz="1465" dirty="0">
+              <a:t>geercode</a:t>
+            </a:r>
+            <a:endParaRPr lang="en-US" altLang="zh-CN" sz="1465" dirty="0" smtClean="0">
               <a:gradFill>
                 <a:gsLst>
                   <a:gs pos="0">
@@ -24523,7 +24523,7 @@
                 <a:latin typeface="Arial" panose="020B0604020202020204"/>
                 <a:ea typeface="微软雅黑" panose="020B0503020204020204" pitchFamily="34" charset="-122"/>
                 <a:sym typeface="Arial" panose="020B0604020202020204"/>
-                <a:hlinkClick r:id="rId1" tooltip="" action="ppaction://hlinkfile"/>
+                <a:hlinkClick r:id="rId1" action="ppaction://hlinkfile"/>
               </a:rPr>
               <a:t>https://git.jufandev.com/architect/docs/blob/master/instruction/tml.md</a:t>
             </a:r>
@@ -24653,7 +24653,7 @@
         <p:spPr>
           <a:xfrm>
             <a:off x="7289165" y="5661660"/>
-            <a:ext cx="4777105" cy="645160"/>
+            <a:ext cx="4777105" cy="460375"/>
           </a:xfrm>
           <a:prstGeom prst="rect">
             <a:avLst/>
@@ -24685,7 +24685,7 @@
                 <a:cs typeface="+mn-ea"/>
                 <a:sym typeface="Arial" panose="020B0604020202020204"/>
               </a:rPr>
-              <a:t>https://github.com/geercode    huifumanlove@hotmail.com</a:t>
+              <a:t>https://github.com/geercode</a:t>
             </a:r>
             <a:endParaRPr lang="en-US" altLang="zh-CN" sz="1200" dirty="0">
               <a:gradFill>
@@ -24725,28 +24725,8 @@
                 <a:cs typeface="+mn-ea"/>
                 <a:sym typeface="Arial" panose="020B0604020202020204"/>
               </a:rPr>
-              <a:t>niupengfei@juxiangfen.com</a:t>
-            </a:r>
-            <a:endParaRPr lang="en-US" altLang="zh-CN" sz="1200" dirty="0">
-              <a:gradFill>
-                <a:gsLst>
-                  <a:gs pos="0">
-                    <a:srgbClr val="17C0D4"/>
-                  </a:gs>
-                  <a:gs pos="100000">
-                    <a:srgbClr val="345692"/>
-                  </a:gs>
-                </a:gsLst>
-                <a:lin ang="5400000" scaled="1"/>
-              </a:gradFill>
-              <a:latin typeface="Arial" panose="020B0604020202020204"/>
-              <a:ea typeface="微软雅黑" panose="020B0503020204020204" pitchFamily="34" charset="-122"/>
-              <a:cs typeface="+mn-ea"/>
-              <a:sym typeface="Arial" panose="020B0604020202020204"/>
-            </a:endParaRPr>
-          </a:p>
-          <a:p>
-            <a:pPr algn="l"/>
+              <a:t>huifumanlove@hotmail.com</a:t>
+            </a:r>
             <a:endParaRPr lang="en-US" altLang="zh-CN" sz="1200" dirty="0">
               <a:gradFill>
                 <a:gsLst>
@@ -24991,9 +24971,29 @@
                 <a:cs typeface="+mn-ea"/>
                 <a:sym typeface="Arial" panose="020B0604020202020204"/>
               </a:rPr>
-              <a:t>：牛鹏飞</a:t>
-            </a:r>
-            <a:endParaRPr lang="en-US" sz="1465" dirty="0">
+              <a:t>：</a:t>
+            </a:r>
+            <a:r>
+              <a:rPr lang="en-US" altLang="zh-CN" sz="1465" dirty="0" smtClean="0">
+                <a:gradFill>
+                  <a:gsLst>
+                    <a:gs pos="0">
+                      <a:srgbClr val="17C0D4"/>
+                    </a:gs>
+                    <a:gs pos="100000">
+                      <a:srgbClr val="345692"/>
+                    </a:gs>
+                  </a:gsLst>
+                  <a:lin ang="5400000" scaled="1"/>
+                </a:gradFill>
+                <a:latin typeface="Arial" panose="020B0604020202020204"/>
+                <a:ea typeface="微软雅黑" panose="020B0503020204020204" pitchFamily="34" charset="-122"/>
+                <a:cs typeface="+mn-ea"/>
+                <a:sym typeface="Arial" panose="020B0604020202020204"/>
+              </a:rPr>
+              <a:t>geercode</a:t>
+            </a:r>
+            <a:endParaRPr lang="en-US" altLang="zh-CN" sz="1465" dirty="0" smtClean="0">
               <a:gradFill>
                 <a:gsLst>
                   <a:gs pos="0">
